--- a/Теория/Поздеев/ПОЗДЕЕВ.pptx
+++ b/Теория/Поздеев/ПОЗДЕЕВ.pptx
@@ -5777,7 +5777,7 @@
           <a:p>
             <a:fld id="{5203C8CA-A229-406B-BB94-4DFDE26F307A}" type="datetimeFigureOut">
               <a:rPr lang="ru-RU" smtClean="0"/>
-              <a:t>18.06.2020</a:t>
+              <a:t>28.06.2020</a:t>
             </a:fld>
             <a:endParaRPr lang="ru-RU"/>
           </a:p>
@@ -14837,7 +14837,7 @@
           <a:p>
             <a:fld id="{073ED0CC-082F-4160-86E5-0D6041F12778}" type="datetime1">
               <a:rPr lang="en-US" smtClean="0"/>
-              <a:t>6/18/2020</a:t>
+              <a:t>6/28/2020</a:t>
             </a:fld>
             <a:endParaRPr lang="en-US" dirty="0"/>
           </a:p>
@@ -15045,7 +15045,7 @@
           <a:p>
             <a:fld id="{073ED0CC-082F-4160-86E5-0D6041F12778}" type="datetime1">
               <a:rPr lang="en-US" smtClean="0"/>
-              <a:t>6/18/2020</a:t>
+              <a:t>6/28/2020</a:t>
             </a:fld>
             <a:endParaRPr lang="en-US" dirty="0"/>
           </a:p>
@@ -15226,7 +15226,7 @@
           <a:p>
             <a:fld id="{073ED0CC-082F-4160-86E5-0D6041F12778}" type="datetime1">
               <a:rPr lang="en-US" smtClean="0"/>
-              <a:t>6/18/2020</a:t>
+              <a:t>6/28/2020</a:t>
             </a:fld>
             <a:endParaRPr lang="en-US" dirty="0"/>
           </a:p>
@@ -15432,7 +15432,7 @@
           <a:p>
             <a:fld id="{073ED0CC-082F-4160-86E5-0D6041F12778}" type="datetime1">
               <a:rPr lang="en-US" smtClean="0"/>
-              <a:t>6/18/2020</a:t>
+              <a:t>6/28/2020</a:t>
             </a:fld>
             <a:endParaRPr lang="en-US" dirty="0"/>
           </a:p>
@@ -24331,7 +24331,7 @@
           <a:p>
             <a:fld id="{073ED0CC-082F-4160-86E5-0D6041F12778}" type="datetime1">
               <a:rPr lang="en-US" smtClean="0"/>
-              <a:t>6/18/2020</a:t>
+              <a:t>6/28/2020</a:t>
             </a:fld>
             <a:endParaRPr lang="en-US" dirty="0"/>
           </a:p>
@@ -24606,7 +24606,7 @@
           <a:p>
             <a:fld id="{073ED0CC-082F-4160-86E5-0D6041F12778}" type="datetime1">
               <a:rPr lang="en-US" smtClean="0"/>
-              <a:t>6/18/2020</a:t>
+              <a:t>6/28/2020</a:t>
             </a:fld>
             <a:endParaRPr lang="en-US" dirty="0"/>
           </a:p>
@@ -25005,7 +25005,7 @@
           <a:p>
             <a:fld id="{073ED0CC-082F-4160-86E5-0D6041F12778}" type="datetime1">
               <a:rPr lang="en-US" smtClean="0"/>
-              <a:t>6/18/2020</a:t>
+              <a:t>6/28/2020</a:t>
             </a:fld>
             <a:endParaRPr lang="en-US" dirty="0"/>
           </a:p>
@@ -25124,7 +25124,7 @@
           <a:p>
             <a:fld id="{073ED0CC-082F-4160-86E5-0D6041F12778}" type="datetime1">
               <a:rPr lang="en-US" smtClean="0"/>
-              <a:t>6/18/2020</a:t>
+              <a:t>6/28/2020</a:t>
             </a:fld>
             <a:endParaRPr lang="en-US" dirty="0"/>
           </a:p>
@@ -25220,7 +25220,7 @@
           <a:p>
             <a:fld id="{073ED0CC-082F-4160-86E5-0D6041F12778}" type="datetime1">
               <a:rPr lang="en-US" smtClean="0"/>
-              <a:t>6/18/2020</a:t>
+              <a:t>6/28/2020</a:t>
             </a:fld>
             <a:endParaRPr lang="en-US" dirty="0"/>
           </a:p>
@@ -25511,7 +25511,7 @@
           <a:p>
             <a:fld id="{073ED0CC-082F-4160-86E5-0D6041F12778}" type="datetime1">
               <a:rPr lang="en-US" smtClean="0"/>
-              <a:t>6/18/2020</a:t>
+              <a:t>6/28/2020</a:t>
             </a:fld>
             <a:endParaRPr lang="en-US" dirty="0"/>
           </a:p>
@@ -25792,7 +25792,7 @@
           <a:p>
             <a:fld id="{073ED0CC-082F-4160-86E5-0D6041F12778}" type="datetime1">
               <a:rPr lang="en-US" smtClean="0"/>
-              <a:t>6/18/2020</a:t>
+              <a:t>6/28/2020</a:t>
             </a:fld>
             <a:endParaRPr lang="en-US" dirty="0"/>
           </a:p>
@@ -26043,7 +26043,7 @@
           <a:p>
             <a:fld id="{073ED0CC-082F-4160-86E5-0D6041F12778}" type="datetime1">
               <a:rPr lang="en-US" smtClean="0"/>
-              <a:t>6/18/2020</a:t>
+              <a:t>6/28/2020</a:t>
             </a:fld>
             <a:endParaRPr lang="en-US" dirty="0"/>
           </a:p>
@@ -29895,10 +29895,10 @@
       </p:sp>
       <p:pic>
         <p:nvPicPr>
-          <p:cNvPr id="5" name="Рисунок 4">
+          <p:cNvPr id="3" name="Рисунок 2">
             <a:extLst>
               <a:ext uri="{FF2B5EF4-FFF2-40B4-BE49-F238E27FC236}">
-                <a16:creationId xmlns:a16="http://schemas.microsoft.com/office/drawing/2014/main" id="{9C6D05B6-25C6-4814-A71A-0D4DDBF52752}"/>
+                <a16:creationId xmlns:a16="http://schemas.microsoft.com/office/drawing/2014/main" id="{F0B454B6-879F-4191-80EC-CA6F7FB041E0}"/>
               </a:ext>
             </a:extLst>
           </p:cNvPr>
@@ -29915,8 +29915,8 @@
         </p:blipFill>
         <p:spPr>
           <a:xfrm>
-            <a:off x="3224250" y="1883853"/>
-            <a:ext cx="5183609" cy="4206555"/>
+            <a:off x="3071594" y="1957163"/>
+            <a:ext cx="6048811" cy="4370916"/>
           </a:xfrm>
           <a:prstGeom prst="rect">
             <a:avLst/>
@@ -30019,10 +30019,10 @@
       </p:sp>
       <p:pic>
         <p:nvPicPr>
-          <p:cNvPr id="6" name="Рисунок 5">
+          <p:cNvPr id="9" name="Рисунок 8">
             <a:extLst>
               <a:ext uri="{FF2B5EF4-FFF2-40B4-BE49-F238E27FC236}">
-                <a16:creationId xmlns:a16="http://schemas.microsoft.com/office/drawing/2014/main" id="{B53F475D-A0BC-4BB2-8E70-D728FA86D6FF}"/>
+                <a16:creationId xmlns:a16="http://schemas.microsoft.com/office/drawing/2014/main" id="{B80F5E92-E2DB-44AA-8F65-6D5B063B09EA}"/>
               </a:ext>
             </a:extLst>
           </p:cNvPr>
@@ -30039,8 +30039,8 @@
         </p:blipFill>
         <p:spPr>
           <a:xfrm>
-            <a:off x="3053592" y="1779568"/>
-            <a:ext cx="5595458" cy="4540774"/>
+            <a:off x="3154262" y="1646095"/>
+            <a:ext cx="5901460" cy="4631007"/>
           </a:xfrm>
           <a:prstGeom prst="rect">
             <a:avLst/>
@@ -30487,7 +30487,12 @@
             <p:ph type="title"/>
           </p:nvPr>
         </p:nvSpPr>
-        <p:spPr/>
+        <p:spPr>
+          <a:xfrm>
+            <a:off x="1024128" y="585216"/>
+            <a:ext cx="9720072" cy="1243584"/>
+          </a:xfrm>
+        </p:spPr>
         <p:txBody>
           <a:bodyPr>
             <a:normAutofit/>
@@ -30496,7 +30501,7 @@
           <a:p>
             <a:r>
               <a:rPr lang="ru-RU" sz="2800" dirty="0"/>
-              <a:t>Проектирование архитектуры системы (связи между модулями приложения преподавателя)</a:t>
+              <a:t>Проектирование архитектуры системы (Схема базы данных)</a:t>
             </a:r>
           </a:p>
         </p:txBody>
@@ -30537,10 +30542,10 @@
       </p:sp>
       <p:pic>
         <p:nvPicPr>
-          <p:cNvPr id="6" name="Объект 5">
+          <p:cNvPr id="10" name="Объект 9">
             <a:extLst>
               <a:ext uri="{FF2B5EF4-FFF2-40B4-BE49-F238E27FC236}">
-                <a16:creationId xmlns:a16="http://schemas.microsoft.com/office/drawing/2014/main" id="{5F600A3B-22E9-4127-BE4E-B985828714FC}"/>
+                <a16:creationId xmlns:a16="http://schemas.microsoft.com/office/drawing/2014/main" id="{DCD4AAA7-4DA7-4498-BA1D-1BBBC67E721D}"/>
               </a:ext>
             </a:extLst>
           </p:cNvPr>
@@ -30559,8 +30564,8 @@
         </p:blipFill>
         <p:spPr>
           <a:xfrm>
-            <a:off x="3968060" y="2286000"/>
-            <a:ext cx="3832018" cy="4022725"/>
+            <a:off x="2334914" y="1275126"/>
+            <a:ext cx="6892289" cy="5582873"/>
           </a:xfrm>
           <a:prstGeom prst="rect">
             <a:avLst/>
